--- a/Modeling and Prediction.pptx
+++ b/Modeling and Prediction.pptx
@@ -19,7 +19,6 @@
     <p:sldId id="264" r:id="rId13"/>
     <p:sldId id="270" r:id="rId14"/>
     <p:sldId id="271" r:id="rId15"/>
-    <p:sldId id="265" r:id="rId16"/>
   </p:sldIdLst>
   <p:sldSz cx="12192000" cy="6858000"/>
   <p:notesSz cx="6858000" cy="9144000"/>
@@ -118,6 +117,11 @@
       </a:defRPr>
     </a:lvl9pPr>
   </p:defaultTextStyle>
+  <p:extLst>
+    <p:ext uri="{EFAFB233-063F-42B5-8137-9DF3F51BA10A}">
+      <p15:sldGuideLst xmlns:p15="http://schemas.microsoft.com/office/powerpoint/2012/main"/>
+    </p:ext>
+  </p:extLst>
 </p:presentation>
 </file>
 
@@ -268,7 +272,7 @@
           <a:p>
             <a:fld id="{0065C04F-179E-4C52-8CB9-5605EB56CFE5}" type="datetimeFigureOut">
               <a:rPr lang="en-US" smtClean="0"/>
-              <a:t>3/24/2020</a:t>
+              <a:t>3/31/2020</a:t>
             </a:fld>
             <a:endParaRPr lang="en-US"/>
           </a:p>
@@ -466,7 +470,7 @@
           <a:p>
             <a:fld id="{0065C04F-179E-4C52-8CB9-5605EB56CFE5}" type="datetimeFigureOut">
               <a:rPr lang="en-US" smtClean="0"/>
-              <a:t>3/24/2020</a:t>
+              <a:t>3/31/2020</a:t>
             </a:fld>
             <a:endParaRPr lang="en-US"/>
           </a:p>
@@ -674,7 +678,7 @@
           <a:p>
             <a:fld id="{0065C04F-179E-4C52-8CB9-5605EB56CFE5}" type="datetimeFigureOut">
               <a:rPr lang="en-US" smtClean="0"/>
-              <a:t>3/24/2020</a:t>
+              <a:t>3/31/2020</a:t>
             </a:fld>
             <a:endParaRPr lang="en-US"/>
           </a:p>
@@ -872,7 +876,7 @@
           <a:p>
             <a:fld id="{0065C04F-179E-4C52-8CB9-5605EB56CFE5}" type="datetimeFigureOut">
               <a:rPr lang="en-US" smtClean="0"/>
-              <a:t>3/24/2020</a:t>
+              <a:t>3/31/2020</a:t>
             </a:fld>
             <a:endParaRPr lang="en-US"/>
           </a:p>
@@ -1147,7 +1151,7 @@
           <a:p>
             <a:fld id="{0065C04F-179E-4C52-8CB9-5605EB56CFE5}" type="datetimeFigureOut">
               <a:rPr lang="en-US" smtClean="0"/>
-              <a:t>3/24/2020</a:t>
+              <a:t>3/31/2020</a:t>
             </a:fld>
             <a:endParaRPr lang="en-US"/>
           </a:p>
@@ -1412,7 +1416,7 @@
           <a:p>
             <a:fld id="{0065C04F-179E-4C52-8CB9-5605EB56CFE5}" type="datetimeFigureOut">
               <a:rPr lang="en-US" smtClean="0"/>
-              <a:t>3/24/2020</a:t>
+              <a:t>3/31/2020</a:t>
             </a:fld>
             <a:endParaRPr lang="en-US"/>
           </a:p>
@@ -1824,7 +1828,7 @@
           <a:p>
             <a:fld id="{0065C04F-179E-4C52-8CB9-5605EB56CFE5}" type="datetimeFigureOut">
               <a:rPr lang="en-US" smtClean="0"/>
-              <a:t>3/24/2020</a:t>
+              <a:t>3/31/2020</a:t>
             </a:fld>
             <a:endParaRPr lang="en-US"/>
           </a:p>
@@ -1965,7 +1969,7 @@
           <a:p>
             <a:fld id="{0065C04F-179E-4C52-8CB9-5605EB56CFE5}" type="datetimeFigureOut">
               <a:rPr lang="en-US" smtClean="0"/>
-              <a:t>3/24/2020</a:t>
+              <a:t>3/31/2020</a:t>
             </a:fld>
             <a:endParaRPr lang="en-US"/>
           </a:p>
@@ -2078,7 +2082,7 @@
           <a:p>
             <a:fld id="{0065C04F-179E-4C52-8CB9-5605EB56CFE5}" type="datetimeFigureOut">
               <a:rPr lang="en-US" smtClean="0"/>
-              <a:t>3/24/2020</a:t>
+              <a:t>3/31/2020</a:t>
             </a:fld>
             <a:endParaRPr lang="en-US"/>
           </a:p>
@@ -2389,7 +2393,7 @@
           <a:p>
             <a:fld id="{0065C04F-179E-4C52-8CB9-5605EB56CFE5}" type="datetimeFigureOut">
               <a:rPr lang="en-US" smtClean="0"/>
-              <a:t>3/24/2020</a:t>
+              <a:t>3/31/2020</a:t>
             </a:fld>
             <a:endParaRPr lang="en-US"/>
           </a:p>
@@ -2677,7 +2681,7 @@
           <a:p>
             <a:fld id="{0065C04F-179E-4C52-8CB9-5605EB56CFE5}" type="datetimeFigureOut">
               <a:rPr lang="en-US" smtClean="0"/>
-              <a:t>3/24/2020</a:t>
+              <a:t>3/31/2020</a:t>
             </a:fld>
             <a:endParaRPr lang="en-US"/>
           </a:p>
@@ -2918,7 +2922,7 @@
           <a:p>
             <a:fld id="{0065C04F-179E-4C52-8CB9-5605EB56CFE5}" type="datetimeFigureOut">
               <a:rPr lang="en-US" smtClean="0"/>
-              <a:t>3/24/2020</a:t>
+              <a:t>3/31/2020</a:t>
             </a:fld>
             <a:endParaRPr lang="en-US"/>
           </a:p>
@@ -3993,36 +3997,6 @@
     <p:extLst>
       <p:ext uri="{BB962C8B-B14F-4D97-AF65-F5344CB8AC3E}">
         <p14:creationId xmlns:p14="http://schemas.microsoft.com/office/powerpoint/2010/main" val="2032960890"/>
-      </p:ext>
-    </p:extLst>
-  </p:cSld>
-  <p:clrMapOvr>
-    <a:masterClrMapping/>
-  </p:clrMapOvr>
-</p:sld>
-</file>
-
-<file path=ppt/slides/slide15.xml><?xml version="1.0" encoding="utf-8"?>
-<p:sld xmlns:a="http://schemas.openxmlformats.org/drawingml/2006/main" xmlns:r="http://schemas.openxmlformats.org/officeDocument/2006/relationships" xmlns:p="http://schemas.openxmlformats.org/presentationml/2006/main">
-  <p:cSld>
-    <p:spTree>
-      <p:nvGrpSpPr>
-        <p:cNvPr id="1" name=""/>
-        <p:cNvGrpSpPr/>
-        <p:nvPr/>
-      </p:nvGrpSpPr>
-      <p:grpSpPr>
-        <a:xfrm>
-          <a:off x="0" y="0"/>
-          <a:ext cx="0" cy="0"/>
-          <a:chOff x="0" y="0"/>
-          <a:chExt cx="0" cy="0"/>
-        </a:xfrm>
-      </p:grpSpPr>
-    </p:spTree>
-    <p:extLst>
-      <p:ext uri="{BB962C8B-B14F-4D97-AF65-F5344CB8AC3E}">
-        <p14:creationId xmlns:p14="http://schemas.microsoft.com/office/powerpoint/2010/main" val="3586406572"/>
       </p:ext>
     </p:extLst>
   </p:cSld>

--- a/Modeling and Prediction.pptx
+++ b/Modeling and Prediction.pptx
@@ -3535,6 +3535,284 @@
   <p:clrMapOvr>
     <a:masterClrMapping/>
   </p:clrMapOvr>
+  <p:timing>
+    <p:tnLst>
+      <p:par>
+        <p:cTn id="1" dur="indefinite" restart="never" nodeType="tmRoot">
+          <p:childTnLst>
+            <p:seq concurrent="1" nextAc="seek">
+              <p:cTn id="2" dur="indefinite" nodeType="mainSeq">
+                <p:childTnLst>
+                  <p:par>
+                    <p:cTn id="3" fill="hold">
+                      <p:stCondLst>
+                        <p:cond delay="indefinite"/>
+                      </p:stCondLst>
+                      <p:childTnLst>
+                        <p:par>
+                          <p:cTn id="4" fill="hold">
+                            <p:stCondLst>
+                              <p:cond delay="0"/>
+                            </p:stCondLst>
+                            <p:childTnLst>
+                              <p:par>
+                                <p:cTn id="5" presetID="1" presetClass="entr" presetSubtype="0" fill="hold" grpId="0" nodeType="clickEffect">
+                                  <p:stCondLst>
+                                    <p:cond delay="0"/>
+                                  </p:stCondLst>
+                                  <p:childTnLst>
+                                    <p:set>
+                                      <p:cBhvr>
+                                        <p:cTn id="6" dur="1" fill="hold">
+                                          <p:stCondLst>
+                                            <p:cond delay="0"/>
+                                          </p:stCondLst>
+                                        </p:cTn>
+                                        <p:tgtEl>
+                                          <p:spTgt spid="3">
+                                            <p:txEl>
+                                              <p:pRg st="0" end="0"/>
+                                            </p:txEl>
+                                          </p:spTgt>
+                                        </p:tgtEl>
+                                        <p:attrNameLst>
+                                          <p:attrName>style.visibility</p:attrName>
+                                        </p:attrNameLst>
+                                      </p:cBhvr>
+                                      <p:to>
+                                        <p:strVal val="visible"/>
+                                      </p:to>
+                                    </p:set>
+                                  </p:childTnLst>
+                                </p:cTn>
+                              </p:par>
+                            </p:childTnLst>
+                          </p:cTn>
+                        </p:par>
+                      </p:childTnLst>
+                    </p:cTn>
+                  </p:par>
+                  <p:par>
+                    <p:cTn id="7" fill="hold">
+                      <p:stCondLst>
+                        <p:cond delay="indefinite"/>
+                      </p:stCondLst>
+                      <p:childTnLst>
+                        <p:par>
+                          <p:cTn id="8" fill="hold">
+                            <p:stCondLst>
+                              <p:cond delay="0"/>
+                            </p:stCondLst>
+                            <p:childTnLst>
+                              <p:par>
+                                <p:cTn id="9" presetID="1" presetClass="entr" presetSubtype="0" fill="hold" grpId="0" nodeType="clickEffect">
+                                  <p:stCondLst>
+                                    <p:cond delay="0"/>
+                                  </p:stCondLst>
+                                  <p:childTnLst>
+                                    <p:set>
+                                      <p:cBhvr>
+                                        <p:cTn id="10" dur="1" fill="hold">
+                                          <p:stCondLst>
+                                            <p:cond delay="0"/>
+                                          </p:stCondLst>
+                                        </p:cTn>
+                                        <p:tgtEl>
+                                          <p:spTgt spid="3">
+                                            <p:txEl>
+                                              <p:pRg st="1" end="1"/>
+                                            </p:txEl>
+                                          </p:spTgt>
+                                        </p:tgtEl>
+                                        <p:attrNameLst>
+                                          <p:attrName>style.visibility</p:attrName>
+                                        </p:attrNameLst>
+                                      </p:cBhvr>
+                                      <p:to>
+                                        <p:strVal val="visible"/>
+                                      </p:to>
+                                    </p:set>
+                                  </p:childTnLst>
+                                </p:cTn>
+                              </p:par>
+                            </p:childTnLst>
+                          </p:cTn>
+                        </p:par>
+                      </p:childTnLst>
+                    </p:cTn>
+                  </p:par>
+                  <p:par>
+                    <p:cTn id="11" fill="hold">
+                      <p:stCondLst>
+                        <p:cond delay="indefinite"/>
+                      </p:stCondLst>
+                      <p:childTnLst>
+                        <p:par>
+                          <p:cTn id="12" fill="hold">
+                            <p:stCondLst>
+                              <p:cond delay="0"/>
+                            </p:stCondLst>
+                            <p:childTnLst>
+                              <p:par>
+                                <p:cTn id="13" presetID="1" presetClass="entr" presetSubtype="0" fill="hold" grpId="0" nodeType="clickEffect">
+                                  <p:stCondLst>
+                                    <p:cond delay="0"/>
+                                  </p:stCondLst>
+                                  <p:childTnLst>
+                                    <p:set>
+                                      <p:cBhvr>
+                                        <p:cTn id="14" dur="1" fill="hold">
+                                          <p:stCondLst>
+                                            <p:cond delay="0"/>
+                                          </p:stCondLst>
+                                        </p:cTn>
+                                        <p:tgtEl>
+                                          <p:spTgt spid="3">
+                                            <p:txEl>
+                                              <p:pRg st="2" end="2"/>
+                                            </p:txEl>
+                                          </p:spTgt>
+                                        </p:tgtEl>
+                                        <p:attrNameLst>
+                                          <p:attrName>style.visibility</p:attrName>
+                                        </p:attrNameLst>
+                                      </p:cBhvr>
+                                      <p:to>
+                                        <p:strVal val="visible"/>
+                                      </p:to>
+                                    </p:set>
+                                  </p:childTnLst>
+                                </p:cTn>
+                              </p:par>
+                            </p:childTnLst>
+                          </p:cTn>
+                        </p:par>
+                      </p:childTnLst>
+                    </p:cTn>
+                  </p:par>
+                  <p:par>
+                    <p:cTn id="15" fill="hold">
+                      <p:stCondLst>
+                        <p:cond delay="indefinite"/>
+                      </p:stCondLst>
+                      <p:childTnLst>
+                        <p:par>
+                          <p:cTn id="16" fill="hold">
+                            <p:stCondLst>
+                              <p:cond delay="0"/>
+                            </p:stCondLst>
+                            <p:childTnLst>
+                              <p:par>
+                                <p:cTn id="17" presetID="1" presetClass="entr" presetSubtype="0" fill="hold" grpId="0" nodeType="clickEffect">
+                                  <p:stCondLst>
+                                    <p:cond delay="0"/>
+                                  </p:stCondLst>
+                                  <p:childTnLst>
+                                    <p:set>
+                                      <p:cBhvr>
+                                        <p:cTn id="18" dur="1" fill="hold">
+                                          <p:stCondLst>
+                                            <p:cond delay="0"/>
+                                          </p:stCondLst>
+                                        </p:cTn>
+                                        <p:tgtEl>
+                                          <p:spTgt spid="3">
+                                            <p:txEl>
+                                              <p:pRg st="3" end="3"/>
+                                            </p:txEl>
+                                          </p:spTgt>
+                                        </p:tgtEl>
+                                        <p:attrNameLst>
+                                          <p:attrName>style.visibility</p:attrName>
+                                        </p:attrNameLst>
+                                      </p:cBhvr>
+                                      <p:to>
+                                        <p:strVal val="visible"/>
+                                      </p:to>
+                                    </p:set>
+                                  </p:childTnLst>
+                                </p:cTn>
+                              </p:par>
+                            </p:childTnLst>
+                          </p:cTn>
+                        </p:par>
+                      </p:childTnLst>
+                    </p:cTn>
+                  </p:par>
+                  <p:par>
+                    <p:cTn id="19" fill="hold">
+                      <p:stCondLst>
+                        <p:cond delay="indefinite"/>
+                      </p:stCondLst>
+                      <p:childTnLst>
+                        <p:par>
+                          <p:cTn id="20" fill="hold">
+                            <p:stCondLst>
+                              <p:cond delay="0"/>
+                            </p:stCondLst>
+                            <p:childTnLst>
+                              <p:par>
+                                <p:cTn id="21" presetID="1" presetClass="entr" presetSubtype="0" fill="hold" grpId="0" nodeType="clickEffect">
+                                  <p:stCondLst>
+                                    <p:cond delay="0"/>
+                                  </p:stCondLst>
+                                  <p:childTnLst>
+                                    <p:set>
+                                      <p:cBhvr>
+                                        <p:cTn id="22" dur="1" fill="hold">
+                                          <p:stCondLst>
+                                            <p:cond delay="0"/>
+                                          </p:stCondLst>
+                                        </p:cTn>
+                                        <p:tgtEl>
+                                          <p:spTgt spid="3">
+                                            <p:txEl>
+                                              <p:pRg st="4" end="4"/>
+                                            </p:txEl>
+                                          </p:spTgt>
+                                        </p:tgtEl>
+                                        <p:attrNameLst>
+                                          <p:attrName>style.visibility</p:attrName>
+                                        </p:attrNameLst>
+                                      </p:cBhvr>
+                                      <p:to>
+                                        <p:strVal val="visible"/>
+                                      </p:to>
+                                    </p:set>
+                                  </p:childTnLst>
+                                </p:cTn>
+                              </p:par>
+                            </p:childTnLst>
+                          </p:cTn>
+                        </p:par>
+                      </p:childTnLst>
+                    </p:cTn>
+                  </p:par>
+                </p:childTnLst>
+              </p:cTn>
+              <p:prevCondLst>
+                <p:cond evt="onPrev" delay="0">
+                  <p:tgtEl>
+                    <p:sldTgt/>
+                  </p:tgtEl>
+                </p:cond>
+              </p:prevCondLst>
+              <p:nextCondLst>
+                <p:cond evt="onNext" delay="0">
+                  <p:tgtEl>
+                    <p:sldTgt/>
+                  </p:tgtEl>
+                </p:cond>
+              </p:nextCondLst>
+            </p:seq>
+          </p:childTnLst>
+        </p:cTn>
+      </p:par>
+    </p:tnLst>
+    <p:bldLst>
+      <p:bldP spid="3" grpId="0" build="p"/>
+    </p:bldLst>
+  </p:timing>
 </p:sld>
 </file>
 
@@ -5951,6 +6229,146 @@
           </a:p>
         </p:txBody>
       </p:sp>
+      <p:sp>
+        <p:nvSpPr>
+          <p:cNvPr id="3" name="TextBox 2">
+            <a:extLst>
+              <a:ext uri="{FF2B5EF4-FFF2-40B4-BE49-F238E27FC236}">
+                <a16:creationId xmlns:a16="http://schemas.microsoft.com/office/drawing/2014/main" id="{021DD6B7-B5E8-4C36-9078-9841AB2DEAB5}"/>
+              </a:ext>
+            </a:extLst>
+          </p:cNvPr>
+          <p:cNvSpPr txBox="1"/>
+          <p:nvPr/>
+        </p:nvSpPr>
+        <p:spPr>
+          <a:xfrm>
+            <a:off x="838200" y="4460939"/>
+            <a:ext cx="2096728" cy="369332"/>
+          </a:xfrm>
+          <a:prstGeom prst="rect">
+            <a:avLst/>
+          </a:prstGeom>
+          <a:noFill/>
+        </p:spPr>
+        <p:txBody>
+          <a:bodyPr wrap="none" rtlCol="0">
+            <a:spAutoFit/>
+          </a:bodyPr>
+          <a:lstStyle/>
+          <a:p>
+            <a:r>
+              <a:rPr lang="en-US" dirty="0"/>
+              <a:t>Line anchored at 0,0</a:t>
+            </a:r>
+          </a:p>
+        </p:txBody>
+      </p:sp>
+      <p:sp>
+        <p:nvSpPr>
+          <p:cNvPr id="48" name="TextBox 47">
+            <a:extLst>
+              <a:ext uri="{FF2B5EF4-FFF2-40B4-BE49-F238E27FC236}">
+                <a16:creationId xmlns:a16="http://schemas.microsoft.com/office/drawing/2014/main" id="{907BF36F-1691-46BB-B92E-5C5763A3B14B}"/>
+              </a:ext>
+            </a:extLst>
+          </p:cNvPr>
+          <p:cNvSpPr txBox="1"/>
+          <p:nvPr/>
+        </p:nvSpPr>
+        <p:spPr>
+          <a:xfrm>
+            <a:off x="3846193" y="4110393"/>
+            <a:ext cx="2089162" cy="369332"/>
+          </a:xfrm>
+          <a:prstGeom prst="rect">
+            <a:avLst/>
+          </a:prstGeom>
+          <a:noFill/>
+        </p:spPr>
+        <p:txBody>
+          <a:bodyPr wrap="none" rtlCol="0">
+            <a:spAutoFit/>
+          </a:bodyPr>
+          <a:lstStyle/>
+          <a:p>
+            <a:r>
+              <a:rPr lang="en-US" dirty="0"/>
+              <a:t>Guess at best fit line</a:t>
+            </a:r>
+          </a:p>
+        </p:txBody>
+      </p:sp>
+      <p:sp>
+        <p:nvSpPr>
+          <p:cNvPr id="49" name="TextBox 48">
+            <a:extLst>
+              <a:ext uri="{FF2B5EF4-FFF2-40B4-BE49-F238E27FC236}">
+                <a16:creationId xmlns:a16="http://schemas.microsoft.com/office/drawing/2014/main" id="{BAA9C7DB-97C4-447A-A208-B4B90516B488}"/>
+              </a:ext>
+            </a:extLst>
+          </p:cNvPr>
+          <p:cNvSpPr txBox="1"/>
+          <p:nvPr/>
+        </p:nvSpPr>
+        <p:spPr>
+          <a:xfrm>
+            <a:off x="6349628" y="1263170"/>
+            <a:ext cx="3195555" cy="369332"/>
+          </a:xfrm>
+          <a:prstGeom prst="rect">
+            <a:avLst/>
+          </a:prstGeom>
+          <a:noFill/>
+        </p:spPr>
+        <p:txBody>
+          <a:bodyPr wrap="none" rtlCol="0">
+            <a:spAutoFit/>
+          </a:bodyPr>
+          <a:lstStyle/>
+          <a:p>
+            <a:r>
+              <a:rPr lang="en-US" dirty="0"/>
+              <a:t>Best fit line – minimize residuals</a:t>
+            </a:r>
+          </a:p>
+        </p:txBody>
+      </p:sp>
+      <p:sp>
+        <p:nvSpPr>
+          <p:cNvPr id="50" name="TextBox 49">
+            <a:extLst>
+              <a:ext uri="{FF2B5EF4-FFF2-40B4-BE49-F238E27FC236}">
+                <a16:creationId xmlns:a16="http://schemas.microsoft.com/office/drawing/2014/main" id="{48609FD3-5BF9-4667-BDB0-A2EAFCC6AF99}"/>
+              </a:ext>
+            </a:extLst>
+          </p:cNvPr>
+          <p:cNvSpPr txBox="1"/>
+          <p:nvPr/>
+        </p:nvSpPr>
+        <p:spPr>
+          <a:xfrm>
+            <a:off x="9292788" y="3547351"/>
+            <a:ext cx="2639890" cy="369332"/>
+          </a:xfrm>
+          <a:prstGeom prst="rect">
+            <a:avLst/>
+          </a:prstGeom>
+          <a:noFill/>
+        </p:spPr>
+        <p:txBody>
+          <a:bodyPr wrap="none" rtlCol="0">
+            <a:spAutoFit/>
+          </a:bodyPr>
+          <a:lstStyle/>
+          <a:p>
+            <a:r>
+              <a:rPr lang="en-US" dirty="0"/>
+              <a:t>Alternative – a curved line</a:t>
+            </a:r>
+          </a:p>
+        </p:txBody>
+      </p:sp>
     </p:spTree>
     <p:extLst>
       <p:ext uri="{BB962C8B-B14F-4D97-AF65-F5344CB8AC3E}">
@@ -6072,7 +6490,7 @@
                             </p:stCondLst>
                             <p:childTnLst>
                               <p:par>
-                                <p:cTn id="13" presetID="1" presetClass="entr" presetSubtype="0" fill="hold" nodeType="clickEffect">
+                                <p:cTn id="13" presetID="1" presetClass="entr" presetSubtype="0" fill="hold" grpId="0" nodeType="clickEffect">
                                   <p:stCondLst>
                                     <p:cond delay="0"/>
                                   </p:stCondLst>
@@ -6085,7 +6503,7 @@
                                           </p:stCondLst>
                                         </p:cTn>
                                         <p:tgtEl>
-                                          <p:spTgt spid="69"/>
+                                          <p:spTgt spid="3"/>
                                         </p:tgtEl>
                                         <p:attrNameLst>
                                           <p:attrName>style.visibility</p:attrName>
@@ -6130,7 +6548,7 @@
                                           </p:stCondLst>
                                         </p:cTn>
                                         <p:tgtEl>
-                                          <p:spTgt spid="25"/>
+                                          <p:spTgt spid="69"/>
                                         </p:tgtEl>
                                         <p:attrNameLst>
                                           <p:attrName>style.visibility</p:attrName>
@@ -6175,7 +6593,7 @@
                                           </p:stCondLst>
                                         </p:cTn>
                                         <p:tgtEl>
-                                          <p:spTgt spid="68"/>
+                                          <p:spTgt spid="25"/>
                                         </p:tgtEl>
                                         <p:attrNameLst>
                                           <p:attrName>style.visibility</p:attrName>
@@ -6207,7 +6625,7 @@
                             </p:stCondLst>
                             <p:childTnLst>
                               <p:par>
-                                <p:cTn id="25" presetID="1" presetClass="entr" presetSubtype="0" fill="hold" nodeType="clickEffect">
+                                <p:cTn id="25" presetID="1" presetClass="entr" presetSubtype="0" fill="hold" grpId="0" nodeType="clickEffect">
                                   <p:stCondLst>
                                     <p:cond delay="0"/>
                                   </p:stCondLst>
@@ -6220,7 +6638,7 @@
                                           </p:stCondLst>
                                         </p:cTn>
                                         <p:tgtEl>
-                                          <p:spTgt spid="37"/>
+                                          <p:spTgt spid="48"/>
                                         </p:tgtEl>
                                         <p:attrNameLst>
                                           <p:attrName>style.visibility</p:attrName>
@@ -6265,7 +6683,7 @@
                                           </p:stCondLst>
                                         </p:cTn>
                                         <p:tgtEl>
-                                          <p:spTgt spid="66"/>
+                                          <p:spTgt spid="68"/>
                                         </p:tgtEl>
                                         <p:attrNameLst>
                                           <p:attrName>style.visibility</p:attrName>
@@ -6297,7 +6715,7 @@
                             </p:stCondLst>
                             <p:childTnLst>
                               <p:par>
-                                <p:cTn id="33" presetID="1" presetClass="entr" presetSubtype="0" fill="hold" grpId="0" nodeType="clickEffect">
+                                <p:cTn id="33" presetID="1" presetClass="entr" presetSubtype="0" fill="hold" nodeType="clickEffect">
                                   <p:stCondLst>
                                     <p:cond delay="0"/>
                                   </p:stCondLst>
@@ -6310,7 +6728,187 @@
                                           </p:stCondLst>
                                         </p:cTn>
                                         <p:tgtEl>
+                                          <p:spTgt spid="37"/>
+                                        </p:tgtEl>
+                                        <p:attrNameLst>
+                                          <p:attrName>style.visibility</p:attrName>
+                                        </p:attrNameLst>
+                                      </p:cBhvr>
+                                      <p:to>
+                                        <p:strVal val="visible"/>
+                                      </p:to>
+                                    </p:set>
+                                  </p:childTnLst>
+                                </p:cTn>
+                              </p:par>
+                            </p:childTnLst>
+                          </p:cTn>
+                        </p:par>
+                      </p:childTnLst>
+                    </p:cTn>
+                  </p:par>
+                  <p:par>
+                    <p:cTn id="35" fill="hold">
+                      <p:stCondLst>
+                        <p:cond delay="indefinite"/>
+                      </p:stCondLst>
+                      <p:childTnLst>
+                        <p:par>
+                          <p:cTn id="36" fill="hold">
+                            <p:stCondLst>
+                              <p:cond delay="0"/>
+                            </p:stCondLst>
+                            <p:childTnLst>
+                              <p:par>
+                                <p:cTn id="37" presetID="1" presetClass="entr" presetSubtype="0" fill="hold" grpId="0" nodeType="clickEffect">
+                                  <p:stCondLst>
+                                    <p:cond delay="0"/>
+                                  </p:stCondLst>
+                                  <p:childTnLst>
+                                    <p:set>
+                                      <p:cBhvr>
+                                        <p:cTn id="38" dur="1" fill="hold">
+                                          <p:stCondLst>
+                                            <p:cond delay="0"/>
+                                          </p:stCondLst>
+                                        </p:cTn>
+                                        <p:tgtEl>
+                                          <p:spTgt spid="49"/>
+                                        </p:tgtEl>
+                                        <p:attrNameLst>
+                                          <p:attrName>style.visibility</p:attrName>
+                                        </p:attrNameLst>
+                                      </p:cBhvr>
+                                      <p:to>
+                                        <p:strVal val="visible"/>
+                                      </p:to>
+                                    </p:set>
+                                  </p:childTnLst>
+                                </p:cTn>
+                              </p:par>
+                            </p:childTnLst>
+                          </p:cTn>
+                        </p:par>
+                      </p:childTnLst>
+                    </p:cTn>
+                  </p:par>
+                  <p:par>
+                    <p:cTn id="39" fill="hold">
+                      <p:stCondLst>
+                        <p:cond delay="indefinite"/>
+                      </p:stCondLst>
+                      <p:childTnLst>
+                        <p:par>
+                          <p:cTn id="40" fill="hold">
+                            <p:stCondLst>
+                              <p:cond delay="0"/>
+                            </p:stCondLst>
+                            <p:childTnLst>
+                              <p:par>
+                                <p:cTn id="41" presetID="1" presetClass="entr" presetSubtype="0" fill="hold" nodeType="clickEffect">
+                                  <p:stCondLst>
+                                    <p:cond delay="0"/>
+                                  </p:stCondLst>
+                                  <p:childTnLst>
+                                    <p:set>
+                                      <p:cBhvr>
+                                        <p:cTn id="42" dur="1" fill="hold">
+                                          <p:stCondLst>
+                                            <p:cond delay="0"/>
+                                          </p:stCondLst>
+                                        </p:cTn>
+                                        <p:tgtEl>
+                                          <p:spTgt spid="66"/>
+                                        </p:tgtEl>
+                                        <p:attrNameLst>
+                                          <p:attrName>style.visibility</p:attrName>
+                                        </p:attrNameLst>
+                                      </p:cBhvr>
+                                      <p:to>
+                                        <p:strVal val="visible"/>
+                                      </p:to>
+                                    </p:set>
+                                  </p:childTnLst>
+                                </p:cTn>
+                              </p:par>
+                            </p:childTnLst>
+                          </p:cTn>
+                        </p:par>
+                      </p:childTnLst>
+                    </p:cTn>
+                  </p:par>
+                  <p:par>
+                    <p:cTn id="43" fill="hold">
+                      <p:stCondLst>
+                        <p:cond delay="indefinite"/>
+                      </p:stCondLst>
+                      <p:childTnLst>
+                        <p:par>
+                          <p:cTn id="44" fill="hold">
+                            <p:stCondLst>
+                              <p:cond delay="0"/>
+                            </p:stCondLst>
+                            <p:childTnLst>
+                              <p:par>
+                                <p:cTn id="45" presetID="1" presetClass="entr" presetSubtype="0" fill="hold" grpId="0" nodeType="clickEffect">
+                                  <p:stCondLst>
+                                    <p:cond delay="0"/>
+                                  </p:stCondLst>
+                                  <p:childTnLst>
+                                    <p:set>
+                                      <p:cBhvr>
+                                        <p:cTn id="46" dur="1" fill="hold">
+                                          <p:stCondLst>
+                                            <p:cond delay="0"/>
+                                          </p:stCondLst>
+                                        </p:cTn>
+                                        <p:tgtEl>
                                           <p:spTgt spid="62"/>
+                                        </p:tgtEl>
+                                        <p:attrNameLst>
+                                          <p:attrName>style.visibility</p:attrName>
+                                        </p:attrNameLst>
+                                      </p:cBhvr>
+                                      <p:to>
+                                        <p:strVal val="visible"/>
+                                      </p:to>
+                                    </p:set>
+                                  </p:childTnLst>
+                                </p:cTn>
+                              </p:par>
+                            </p:childTnLst>
+                          </p:cTn>
+                        </p:par>
+                      </p:childTnLst>
+                    </p:cTn>
+                  </p:par>
+                  <p:par>
+                    <p:cTn id="47" fill="hold">
+                      <p:stCondLst>
+                        <p:cond delay="indefinite"/>
+                      </p:stCondLst>
+                      <p:childTnLst>
+                        <p:par>
+                          <p:cTn id="48" fill="hold">
+                            <p:stCondLst>
+                              <p:cond delay="0"/>
+                            </p:stCondLst>
+                            <p:childTnLst>
+                              <p:par>
+                                <p:cTn id="49" presetID="1" presetClass="entr" presetSubtype="0" fill="hold" grpId="0" nodeType="clickEffect">
+                                  <p:stCondLst>
+                                    <p:cond delay="0"/>
+                                  </p:stCondLst>
+                                  <p:childTnLst>
+                                    <p:set>
+                                      <p:cBhvr>
+                                        <p:cTn id="50" dur="1" fill="hold">
+                                          <p:stCondLst>
+                                            <p:cond delay="0"/>
+                                          </p:stCondLst>
+                                        </p:cTn>
+                                        <p:tgtEl>
+                                          <p:spTgt spid="50"/>
                                         </p:tgtEl>
                                         <p:attrNameLst>
                                           <p:attrName>style.visibility</p:attrName>
@@ -6352,6 +6950,10 @@
     </p:tnLst>
     <p:bldLst>
       <p:bldP spid="62" grpId="0" animBg="1"/>
+      <p:bldP spid="3" grpId="0"/>
+      <p:bldP spid="48" grpId="0"/>
+      <p:bldP spid="49" grpId="0"/>
+      <p:bldP spid="50" grpId="0"/>
     </p:bldLst>
   </p:timing>
 </p:sld>
@@ -6930,6 +7532,248 @@
   <p:clrMapOvr>
     <a:masterClrMapping/>
   </p:clrMapOvr>
+  <p:timing>
+    <p:tnLst>
+      <p:par>
+        <p:cTn id="1" dur="indefinite" restart="never" nodeType="tmRoot">
+          <p:childTnLst>
+            <p:seq concurrent="1" nextAc="seek">
+              <p:cTn id="2" dur="indefinite" nodeType="mainSeq">
+                <p:childTnLst>
+                  <p:par>
+                    <p:cTn id="3" fill="hold">
+                      <p:stCondLst>
+                        <p:cond delay="indefinite"/>
+                      </p:stCondLst>
+                      <p:childTnLst>
+                        <p:par>
+                          <p:cTn id="4" fill="hold">
+                            <p:stCondLst>
+                              <p:cond delay="0"/>
+                            </p:stCondLst>
+                            <p:childTnLst>
+                              <p:par>
+                                <p:cTn id="5" presetID="1" presetClass="entr" presetSubtype="0" fill="hold" grpId="0" nodeType="clickEffect">
+                                  <p:stCondLst>
+                                    <p:cond delay="0"/>
+                                  </p:stCondLst>
+                                  <p:childTnLst>
+                                    <p:set>
+                                      <p:cBhvr>
+                                        <p:cTn id="6" dur="1" fill="hold">
+                                          <p:stCondLst>
+                                            <p:cond delay="0"/>
+                                          </p:stCondLst>
+                                        </p:cTn>
+                                        <p:tgtEl>
+                                          <p:spTgt spid="3">
+                                            <p:txEl>
+                                              <p:pRg st="0" end="0"/>
+                                            </p:txEl>
+                                          </p:spTgt>
+                                        </p:tgtEl>
+                                        <p:attrNameLst>
+                                          <p:attrName>style.visibility</p:attrName>
+                                        </p:attrNameLst>
+                                      </p:cBhvr>
+                                      <p:to>
+                                        <p:strVal val="visible"/>
+                                      </p:to>
+                                    </p:set>
+                                  </p:childTnLst>
+                                </p:cTn>
+                              </p:par>
+                            </p:childTnLst>
+                          </p:cTn>
+                        </p:par>
+                      </p:childTnLst>
+                    </p:cTn>
+                  </p:par>
+                  <p:par>
+                    <p:cTn id="7" fill="hold">
+                      <p:stCondLst>
+                        <p:cond delay="indefinite"/>
+                      </p:stCondLst>
+                      <p:childTnLst>
+                        <p:par>
+                          <p:cTn id="8" fill="hold">
+                            <p:stCondLst>
+                              <p:cond delay="0"/>
+                            </p:stCondLst>
+                            <p:childTnLst>
+                              <p:par>
+                                <p:cTn id="9" presetID="1" presetClass="entr" presetSubtype="0" fill="hold" grpId="0" nodeType="clickEffect">
+                                  <p:stCondLst>
+                                    <p:cond delay="0"/>
+                                  </p:stCondLst>
+                                  <p:childTnLst>
+                                    <p:set>
+                                      <p:cBhvr>
+                                        <p:cTn id="10" dur="1" fill="hold">
+                                          <p:stCondLst>
+                                            <p:cond delay="0"/>
+                                          </p:stCondLst>
+                                        </p:cTn>
+                                        <p:tgtEl>
+                                          <p:spTgt spid="3">
+                                            <p:txEl>
+                                              <p:pRg st="1" end="1"/>
+                                            </p:txEl>
+                                          </p:spTgt>
+                                        </p:tgtEl>
+                                        <p:attrNameLst>
+                                          <p:attrName>style.visibility</p:attrName>
+                                        </p:attrNameLst>
+                                      </p:cBhvr>
+                                      <p:to>
+                                        <p:strVal val="visible"/>
+                                      </p:to>
+                                    </p:set>
+                                  </p:childTnLst>
+                                </p:cTn>
+                              </p:par>
+                            </p:childTnLst>
+                          </p:cTn>
+                        </p:par>
+                      </p:childTnLst>
+                    </p:cTn>
+                  </p:par>
+                  <p:par>
+                    <p:cTn id="11" fill="hold">
+                      <p:stCondLst>
+                        <p:cond delay="indefinite"/>
+                      </p:stCondLst>
+                      <p:childTnLst>
+                        <p:par>
+                          <p:cTn id="12" fill="hold">
+                            <p:stCondLst>
+                              <p:cond delay="0"/>
+                            </p:stCondLst>
+                            <p:childTnLst>
+                              <p:par>
+                                <p:cTn id="13" presetID="1" presetClass="entr" presetSubtype="0" fill="hold" grpId="0" nodeType="clickEffect">
+                                  <p:stCondLst>
+                                    <p:cond delay="0"/>
+                                  </p:stCondLst>
+                                  <p:childTnLst>
+                                    <p:set>
+                                      <p:cBhvr>
+                                        <p:cTn id="14" dur="1" fill="hold">
+                                          <p:stCondLst>
+                                            <p:cond delay="0"/>
+                                          </p:stCondLst>
+                                        </p:cTn>
+                                        <p:tgtEl>
+                                          <p:spTgt spid="3">
+                                            <p:txEl>
+                                              <p:pRg st="2" end="2"/>
+                                            </p:txEl>
+                                          </p:spTgt>
+                                        </p:tgtEl>
+                                        <p:attrNameLst>
+                                          <p:attrName>style.visibility</p:attrName>
+                                        </p:attrNameLst>
+                                      </p:cBhvr>
+                                      <p:to>
+                                        <p:strVal val="visible"/>
+                                      </p:to>
+                                    </p:set>
+                                  </p:childTnLst>
+                                </p:cTn>
+                              </p:par>
+                              <p:par>
+                                <p:cTn id="15" presetID="1" presetClass="entr" presetSubtype="0" fill="hold" grpId="0" nodeType="withEffect">
+                                  <p:stCondLst>
+                                    <p:cond delay="0"/>
+                                  </p:stCondLst>
+                                  <p:childTnLst>
+                                    <p:set>
+                                      <p:cBhvr>
+                                        <p:cTn id="16" dur="1" fill="hold">
+                                          <p:stCondLst>
+                                            <p:cond delay="0"/>
+                                          </p:stCondLst>
+                                        </p:cTn>
+                                        <p:tgtEl>
+                                          <p:spTgt spid="3">
+                                            <p:txEl>
+                                              <p:pRg st="3" end="3"/>
+                                            </p:txEl>
+                                          </p:spTgt>
+                                        </p:tgtEl>
+                                        <p:attrNameLst>
+                                          <p:attrName>style.visibility</p:attrName>
+                                        </p:attrNameLst>
+                                      </p:cBhvr>
+                                      <p:to>
+                                        <p:strVal val="visible"/>
+                                      </p:to>
+                                    </p:set>
+                                  </p:childTnLst>
+                                </p:cTn>
+                              </p:par>
+                              <p:par>
+                                <p:cTn id="17" presetID="1" presetClass="entr" presetSubtype="0" fill="hold" grpId="0" nodeType="withEffect">
+                                  <p:stCondLst>
+                                    <p:cond delay="0"/>
+                                  </p:stCondLst>
+                                  <p:childTnLst>
+                                    <p:set>
+                                      <p:cBhvr>
+                                        <p:cTn id="18" dur="1" fill="hold">
+                                          <p:stCondLst>
+                                            <p:cond delay="0"/>
+                                          </p:stCondLst>
+                                        </p:cTn>
+                                        <p:tgtEl>
+                                          <p:spTgt spid="3">
+                                            <p:txEl>
+                                              <p:pRg st="4" end="4"/>
+                                            </p:txEl>
+                                          </p:spTgt>
+                                        </p:tgtEl>
+                                        <p:attrNameLst>
+                                          <p:attrName>style.visibility</p:attrName>
+                                        </p:attrNameLst>
+                                      </p:cBhvr>
+                                      <p:to>
+                                        <p:strVal val="visible"/>
+                                      </p:to>
+                                    </p:set>
+                                  </p:childTnLst>
+                                </p:cTn>
+                              </p:par>
+                            </p:childTnLst>
+                          </p:cTn>
+                        </p:par>
+                      </p:childTnLst>
+                    </p:cTn>
+                  </p:par>
+                </p:childTnLst>
+              </p:cTn>
+              <p:prevCondLst>
+                <p:cond evt="onPrev" delay="0">
+                  <p:tgtEl>
+                    <p:sldTgt/>
+                  </p:tgtEl>
+                </p:cond>
+              </p:prevCondLst>
+              <p:nextCondLst>
+                <p:cond evt="onNext" delay="0">
+                  <p:tgtEl>
+                    <p:sldTgt/>
+                  </p:tgtEl>
+                </p:cond>
+              </p:nextCondLst>
+            </p:seq>
+          </p:childTnLst>
+        </p:cTn>
+      </p:par>
+    </p:tnLst>
+    <p:bldLst>
+      <p:bldP spid="3" grpId="0" build="p" bldLvl="2"/>
+    </p:bldLst>
+  </p:timing>
 </p:sld>
 </file>
 
@@ -7050,6 +7894,284 @@
   <p:clrMapOvr>
     <a:masterClrMapping/>
   </p:clrMapOvr>
+  <p:timing>
+    <p:tnLst>
+      <p:par>
+        <p:cTn id="1" dur="indefinite" restart="never" nodeType="tmRoot">
+          <p:childTnLst>
+            <p:seq concurrent="1" nextAc="seek">
+              <p:cTn id="2" dur="indefinite" nodeType="mainSeq">
+                <p:childTnLst>
+                  <p:par>
+                    <p:cTn id="3" fill="hold">
+                      <p:stCondLst>
+                        <p:cond delay="indefinite"/>
+                      </p:stCondLst>
+                      <p:childTnLst>
+                        <p:par>
+                          <p:cTn id="4" fill="hold">
+                            <p:stCondLst>
+                              <p:cond delay="0"/>
+                            </p:stCondLst>
+                            <p:childTnLst>
+                              <p:par>
+                                <p:cTn id="5" presetID="1" presetClass="entr" presetSubtype="0" fill="hold" grpId="0" nodeType="clickEffect">
+                                  <p:stCondLst>
+                                    <p:cond delay="0"/>
+                                  </p:stCondLst>
+                                  <p:childTnLst>
+                                    <p:set>
+                                      <p:cBhvr>
+                                        <p:cTn id="6" dur="1" fill="hold">
+                                          <p:stCondLst>
+                                            <p:cond delay="0"/>
+                                          </p:stCondLst>
+                                        </p:cTn>
+                                        <p:tgtEl>
+                                          <p:spTgt spid="3">
+                                            <p:txEl>
+                                              <p:pRg st="0" end="0"/>
+                                            </p:txEl>
+                                          </p:spTgt>
+                                        </p:tgtEl>
+                                        <p:attrNameLst>
+                                          <p:attrName>style.visibility</p:attrName>
+                                        </p:attrNameLst>
+                                      </p:cBhvr>
+                                      <p:to>
+                                        <p:strVal val="visible"/>
+                                      </p:to>
+                                    </p:set>
+                                  </p:childTnLst>
+                                </p:cTn>
+                              </p:par>
+                            </p:childTnLst>
+                          </p:cTn>
+                        </p:par>
+                      </p:childTnLst>
+                    </p:cTn>
+                  </p:par>
+                  <p:par>
+                    <p:cTn id="7" fill="hold">
+                      <p:stCondLst>
+                        <p:cond delay="indefinite"/>
+                      </p:stCondLst>
+                      <p:childTnLst>
+                        <p:par>
+                          <p:cTn id="8" fill="hold">
+                            <p:stCondLst>
+                              <p:cond delay="0"/>
+                            </p:stCondLst>
+                            <p:childTnLst>
+                              <p:par>
+                                <p:cTn id="9" presetID="1" presetClass="entr" presetSubtype="0" fill="hold" grpId="0" nodeType="clickEffect">
+                                  <p:stCondLst>
+                                    <p:cond delay="0"/>
+                                  </p:stCondLst>
+                                  <p:childTnLst>
+                                    <p:set>
+                                      <p:cBhvr>
+                                        <p:cTn id="10" dur="1" fill="hold">
+                                          <p:stCondLst>
+                                            <p:cond delay="0"/>
+                                          </p:stCondLst>
+                                        </p:cTn>
+                                        <p:tgtEl>
+                                          <p:spTgt spid="3">
+                                            <p:txEl>
+                                              <p:pRg st="1" end="1"/>
+                                            </p:txEl>
+                                          </p:spTgt>
+                                        </p:tgtEl>
+                                        <p:attrNameLst>
+                                          <p:attrName>style.visibility</p:attrName>
+                                        </p:attrNameLst>
+                                      </p:cBhvr>
+                                      <p:to>
+                                        <p:strVal val="visible"/>
+                                      </p:to>
+                                    </p:set>
+                                  </p:childTnLst>
+                                </p:cTn>
+                              </p:par>
+                            </p:childTnLst>
+                          </p:cTn>
+                        </p:par>
+                      </p:childTnLst>
+                    </p:cTn>
+                  </p:par>
+                  <p:par>
+                    <p:cTn id="11" fill="hold">
+                      <p:stCondLst>
+                        <p:cond delay="indefinite"/>
+                      </p:stCondLst>
+                      <p:childTnLst>
+                        <p:par>
+                          <p:cTn id="12" fill="hold">
+                            <p:stCondLst>
+                              <p:cond delay="0"/>
+                            </p:stCondLst>
+                            <p:childTnLst>
+                              <p:par>
+                                <p:cTn id="13" presetID="1" presetClass="entr" presetSubtype="0" fill="hold" grpId="0" nodeType="clickEffect">
+                                  <p:stCondLst>
+                                    <p:cond delay="0"/>
+                                  </p:stCondLst>
+                                  <p:childTnLst>
+                                    <p:set>
+                                      <p:cBhvr>
+                                        <p:cTn id="14" dur="1" fill="hold">
+                                          <p:stCondLst>
+                                            <p:cond delay="0"/>
+                                          </p:stCondLst>
+                                        </p:cTn>
+                                        <p:tgtEl>
+                                          <p:spTgt spid="3">
+                                            <p:txEl>
+                                              <p:pRg st="2" end="2"/>
+                                            </p:txEl>
+                                          </p:spTgt>
+                                        </p:tgtEl>
+                                        <p:attrNameLst>
+                                          <p:attrName>style.visibility</p:attrName>
+                                        </p:attrNameLst>
+                                      </p:cBhvr>
+                                      <p:to>
+                                        <p:strVal val="visible"/>
+                                      </p:to>
+                                    </p:set>
+                                  </p:childTnLst>
+                                </p:cTn>
+                              </p:par>
+                            </p:childTnLst>
+                          </p:cTn>
+                        </p:par>
+                      </p:childTnLst>
+                    </p:cTn>
+                  </p:par>
+                  <p:par>
+                    <p:cTn id="15" fill="hold">
+                      <p:stCondLst>
+                        <p:cond delay="indefinite"/>
+                      </p:stCondLst>
+                      <p:childTnLst>
+                        <p:par>
+                          <p:cTn id="16" fill="hold">
+                            <p:stCondLst>
+                              <p:cond delay="0"/>
+                            </p:stCondLst>
+                            <p:childTnLst>
+                              <p:par>
+                                <p:cTn id="17" presetID="1" presetClass="entr" presetSubtype="0" fill="hold" grpId="0" nodeType="clickEffect">
+                                  <p:stCondLst>
+                                    <p:cond delay="0"/>
+                                  </p:stCondLst>
+                                  <p:childTnLst>
+                                    <p:set>
+                                      <p:cBhvr>
+                                        <p:cTn id="18" dur="1" fill="hold">
+                                          <p:stCondLst>
+                                            <p:cond delay="0"/>
+                                          </p:stCondLst>
+                                        </p:cTn>
+                                        <p:tgtEl>
+                                          <p:spTgt spid="3">
+                                            <p:txEl>
+                                              <p:pRg st="3" end="3"/>
+                                            </p:txEl>
+                                          </p:spTgt>
+                                        </p:tgtEl>
+                                        <p:attrNameLst>
+                                          <p:attrName>style.visibility</p:attrName>
+                                        </p:attrNameLst>
+                                      </p:cBhvr>
+                                      <p:to>
+                                        <p:strVal val="visible"/>
+                                      </p:to>
+                                    </p:set>
+                                  </p:childTnLst>
+                                </p:cTn>
+                              </p:par>
+                            </p:childTnLst>
+                          </p:cTn>
+                        </p:par>
+                      </p:childTnLst>
+                    </p:cTn>
+                  </p:par>
+                  <p:par>
+                    <p:cTn id="19" fill="hold">
+                      <p:stCondLst>
+                        <p:cond delay="indefinite"/>
+                      </p:stCondLst>
+                      <p:childTnLst>
+                        <p:par>
+                          <p:cTn id="20" fill="hold">
+                            <p:stCondLst>
+                              <p:cond delay="0"/>
+                            </p:stCondLst>
+                            <p:childTnLst>
+                              <p:par>
+                                <p:cTn id="21" presetID="1" presetClass="entr" presetSubtype="0" fill="hold" grpId="0" nodeType="clickEffect">
+                                  <p:stCondLst>
+                                    <p:cond delay="0"/>
+                                  </p:stCondLst>
+                                  <p:childTnLst>
+                                    <p:set>
+                                      <p:cBhvr>
+                                        <p:cTn id="22" dur="1" fill="hold">
+                                          <p:stCondLst>
+                                            <p:cond delay="0"/>
+                                          </p:stCondLst>
+                                        </p:cTn>
+                                        <p:tgtEl>
+                                          <p:spTgt spid="3">
+                                            <p:txEl>
+                                              <p:pRg st="4" end="4"/>
+                                            </p:txEl>
+                                          </p:spTgt>
+                                        </p:tgtEl>
+                                        <p:attrNameLst>
+                                          <p:attrName>style.visibility</p:attrName>
+                                        </p:attrNameLst>
+                                      </p:cBhvr>
+                                      <p:to>
+                                        <p:strVal val="visible"/>
+                                      </p:to>
+                                    </p:set>
+                                  </p:childTnLst>
+                                </p:cTn>
+                              </p:par>
+                            </p:childTnLst>
+                          </p:cTn>
+                        </p:par>
+                      </p:childTnLst>
+                    </p:cTn>
+                  </p:par>
+                </p:childTnLst>
+              </p:cTn>
+              <p:prevCondLst>
+                <p:cond evt="onPrev" delay="0">
+                  <p:tgtEl>
+                    <p:sldTgt/>
+                  </p:tgtEl>
+                </p:cond>
+              </p:prevCondLst>
+              <p:nextCondLst>
+                <p:cond evt="onNext" delay="0">
+                  <p:tgtEl>
+                    <p:sldTgt/>
+                  </p:tgtEl>
+                </p:cond>
+              </p:nextCondLst>
+            </p:seq>
+          </p:childTnLst>
+        </p:cTn>
+      </p:par>
+    </p:tnLst>
+    <p:bldLst>
+      <p:bldP spid="3" grpId="0" build="p"/>
+    </p:bldLst>
+  </p:timing>
 </p:sld>
 </file>
 
